--- a/ASSET QUALITY REVIEW(AQR) PPT.pptx
+++ b/ASSET QUALITY REVIEW(AQR) PPT.pptx
@@ -172,8 +172,8 @@
           </a:prstGeom>
           <a:noFill/>
           <a:extLst>
-            <a:ext uri="{909E8E84-426E-40dd-AFC4-6F175D3DCCD1}">
-              <a14:hiddenFill xmlns:a14="http://schemas.microsoft.com/office/drawing/2010/main" xmlns="">
+            <a:ext uri="{909E8E84-426E-40DD-AFC4-6F175D3DCCD1}">
+              <a14:hiddenFill xmlns:a14="http://schemas.microsoft.com/office/drawing/2010/main">
                 <a:solidFill>
                   <a:srgbClr val="FFFFFF"/>
                 </a:solidFill>
@@ -231,8 +231,8 @@
               <a:noFill/>
             </a:ln>
             <a:extLst>
-              <a:ext uri="{91240B29-F687-4f45-9708-019B960494DF}">
-                <a14:hiddenLine xmlns:a14="http://schemas.microsoft.com/office/drawing/2010/main" xmlns="" w="9525">
+              <a:ext uri="{91240B29-F687-4F45-9708-019B960494DF}">
+                <a14:hiddenLine xmlns:a14="http://schemas.microsoft.com/office/drawing/2010/main" w="9525">
                   <a:solidFill>
                     <a:srgbClr val="000000"/>
                   </a:solidFill>
@@ -321,8 +321,8 @@
               <a:noFill/>
             </a:ln>
             <a:extLst>
-              <a:ext uri="{91240B29-F687-4f45-9708-019B960494DF}">
-                <a14:hiddenLine xmlns:a14="http://schemas.microsoft.com/office/drawing/2010/main" xmlns="" w="9525">
+              <a:ext uri="{91240B29-F687-4F45-9708-019B960494DF}">
+                <a14:hiddenLine xmlns:a14="http://schemas.microsoft.com/office/drawing/2010/main" w="9525">
                   <a:solidFill>
                     <a:srgbClr val="000000"/>
                   </a:solidFill>
@@ -411,8 +411,8 @@
               <a:noFill/>
             </a:ln>
             <a:extLst>
-              <a:ext uri="{91240B29-F687-4f45-9708-019B960494DF}">
-                <a14:hiddenLine xmlns:a14="http://schemas.microsoft.com/office/drawing/2010/main" xmlns="" w="9525">
+              <a:ext uri="{91240B29-F687-4F45-9708-019B960494DF}">
+                <a14:hiddenLine xmlns:a14="http://schemas.microsoft.com/office/drawing/2010/main" w="9525">
                   <a:solidFill>
                     <a:srgbClr val="000000"/>
                   </a:solidFill>
@@ -445,8 +445,8 @@
               <a:noFill/>
             </a:ln>
             <a:extLst>
-              <a:ext uri="{91240B29-F687-4f45-9708-019B960494DF}">
-                <a14:hiddenLine xmlns:a14="http://schemas.microsoft.com/office/drawing/2010/main" xmlns="" w="9525">
+              <a:ext uri="{91240B29-F687-4F45-9708-019B960494DF}">
+                <a14:hiddenLine xmlns:a14="http://schemas.microsoft.com/office/drawing/2010/main" w="9525">
                   <a:solidFill>
                     <a:srgbClr val="000000"/>
                   </a:solidFill>
@@ -535,8 +535,8 @@
               <a:noFill/>
             </a:ln>
             <a:extLst>
-              <a:ext uri="{91240B29-F687-4f45-9708-019B960494DF}">
-                <a14:hiddenLine xmlns:a14="http://schemas.microsoft.com/office/drawing/2010/main" xmlns="" w="9525">
+              <a:ext uri="{91240B29-F687-4F45-9708-019B960494DF}">
+                <a14:hiddenLine xmlns:a14="http://schemas.microsoft.com/office/drawing/2010/main" w="9525">
                   <a:solidFill>
                     <a:srgbClr val="000000"/>
                   </a:solidFill>
@@ -597,8 +597,8 @@
               <a:noFill/>
             </a:ln>
             <a:extLst>
-              <a:ext uri="{91240B29-F687-4f45-9708-019B960494DF}">
-                <a14:hiddenLine xmlns:a14="http://schemas.microsoft.com/office/drawing/2010/main" xmlns="" w="9525">
+              <a:ext uri="{91240B29-F687-4F45-9708-019B960494DF}">
+                <a14:hiddenLine xmlns:a14="http://schemas.microsoft.com/office/drawing/2010/main" w="9525">
                   <a:solidFill>
                     <a:srgbClr val="000000"/>
                   </a:solidFill>
@@ -659,8 +659,8 @@
               <a:noFill/>
             </a:ln>
             <a:extLst>
-              <a:ext uri="{91240B29-F687-4f45-9708-019B960494DF}">
-                <a14:hiddenLine xmlns:a14="http://schemas.microsoft.com/office/drawing/2010/main" xmlns="" w="9525">
+              <a:ext uri="{91240B29-F687-4F45-9708-019B960494DF}">
+                <a14:hiddenLine xmlns:a14="http://schemas.microsoft.com/office/drawing/2010/main" w="9525">
                   <a:solidFill>
                     <a:srgbClr val="000000"/>
                   </a:solidFill>
@@ -749,8 +749,8 @@
               <a:noFill/>
             </a:ln>
             <a:extLst>
-              <a:ext uri="{91240B29-F687-4f45-9708-019B960494DF}">
-                <a14:hiddenLine xmlns:a14="http://schemas.microsoft.com/office/drawing/2010/main" xmlns="" w="9525">
+              <a:ext uri="{91240B29-F687-4F45-9708-019B960494DF}">
+                <a14:hiddenLine xmlns:a14="http://schemas.microsoft.com/office/drawing/2010/main" w="9525">
                   <a:solidFill>
                     <a:srgbClr val="000000"/>
                   </a:solidFill>
@@ -811,8 +811,8 @@
               <a:noFill/>
             </a:ln>
             <a:extLst>
-              <a:ext uri="{91240B29-F687-4f45-9708-019B960494DF}">
-                <a14:hiddenLine xmlns:a14="http://schemas.microsoft.com/office/drawing/2010/main" xmlns="" w="9525">
+              <a:ext uri="{91240B29-F687-4F45-9708-019B960494DF}">
+                <a14:hiddenLine xmlns:a14="http://schemas.microsoft.com/office/drawing/2010/main" w="9525">
                   <a:solidFill>
                     <a:srgbClr val="000000"/>
                   </a:solidFill>
@@ -873,8 +873,8 @@
               <a:noFill/>
             </a:ln>
             <a:extLst>
-              <a:ext uri="{91240B29-F687-4f45-9708-019B960494DF}">
-                <a14:hiddenLine xmlns:a14="http://schemas.microsoft.com/office/drawing/2010/main" xmlns="" w="9525">
+              <a:ext uri="{91240B29-F687-4F45-9708-019B960494DF}">
+                <a14:hiddenLine xmlns:a14="http://schemas.microsoft.com/office/drawing/2010/main" w="9525">
                   <a:solidFill>
                     <a:srgbClr val="000000"/>
                   </a:solidFill>
@@ -963,8 +963,8 @@
               <a:noFill/>
             </a:ln>
             <a:extLst>
-              <a:ext uri="{91240B29-F687-4f45-9708-019B960494DF}">
-                <a14:hiddenLine xmlns:a14="http://schemas.microsoft.com/office/drawing/2010/main" xmlns="" w="9525">
+              <a:ext uri="{91240B29-F687-4F45-9708-019B960494DF}">
+                <a14:hiddenLine xmlns:a14="http://schemas.microsoft.com/office/drawing/2010/main" w="9525">
                   <a:solidFill>
                     <a:srgbClr val="000000"/>
                   </a:solidFill>
@@ -1053,8 +1053,8 @@
               <a:noFill/>
             </a:ln>
             <a:extLst>
-              <a:ext uri="{91240B29-F687-4f45-9708-019B960494DF}">
-                <a14:hiddenLine xmlns:a14="http://schemas.microsoft.com/office/drawing/2010/main" xmlns="" w="9525">
+              <a:ext uri="{91240B29-F687-4F45-9708-019B960494DF}">
+                <a14:hiddenLine xmlns:a14="http://schemas.microsoft.com/office/drawing/2010/main" w="9525">
                   <a:solidFill>
                     <a:srgbClr val="000000"/>
                   </a:solidFill>
@@ -1115,8 +1115,8 @@
               <a:noFill/>
             </a:ln>
             <a:extLst>
-              <a:ext uri="{91240B29-F687-4f45-9708-019B960494DF}">
-                <a14:hiddenLine xmlns:a14="http://schemas.microsoft.com/office/drawing/2010/main" xmlns="" w="9525">
+              <a:ext uri="{91240B29-F687-4F45-9708-019B960494DF}">
+                <a14:hiddenLine xmlns:a14="http://schemas.microsoft.com/office/drawing/2010/main" w="9525">
                   <a:solidFill>
                     <a:srgbClr val="000000"/>
                   </a:solidFill>
@@ -1225,8 +1225,8 @@
               <a:noFill/>
             </a:ln>
             <a:extLst>
-              <a:ext uri="{91240B29-F687-4f45-9708-019B960494DF}">
-                <a14:hiddenLine xmlns:a14="http://schemas.microsoft.com/office/drawing/2010/main" xmlns="" w="9525">
+              <a:ext uri="{91240B29-F687-4F45-9708-019B960494DF}">
+                <a14:hiddenLine xmlns:a14="http://schemas.microsoft.com/office/drawing/2010/main" w="9525">
                   <a:solidFill>
                     <a:srgbClr val="000000"/>
                   </a:solidFill>
@@ -1287,8 +1287,8 @@
               <a:noFill/>
             </a:ln>
             <a:extLst>
-              <a:ext uri="{91240B29-F687-4f45-9708-019B960494DF}">
-                <a14:hiddenLine xmlns:a14="http://schemas.microsoft.com/office/drawing/2010/main" xmlns="" w="9525">
+              <a:ext uri="{91240B29-F687-4F45-9708-019B960494DF}">
+                <a14:hiddenLine xmlns:a14="http://schemas.microsoft.com/office/drawing/2010/main" w="9525">
                   <a:solidFill>
                     <a:srgbClr val="000000"/>
                   </a:solidFill>
@@ -1377,8 +1377,8 @@
               <a:noFill/>
             </a:ln>
             <a:extLst>
-              <a:ext uri="{91240B29-F687-4f45-9708-019B960494DF}">
-                <a14:hiddenLine xmlns:a14="http://schemas.microsoft.com/office/drawing/2010/main" xmlns="" w="9525">
+              <a:ext uri="{91240B29-F687-4F45-9708-019B960494DF}">
+                <a14:hiddenLine xmlns:a14="http://schemas.microsoft.com/office/drawing/2010/main" w="9525">
                   <a:solidFill>
                     <a:srgbClr val="000000"/>
                   </a:solidFill>
@@ -1467,8 +1467,8 @@
               <a:noFill/>
             </a:ln>
             <a:extLst>
-              <a:ext uri="{91240B29-F687-4f45-9708-019B960494DF}">
-                <a14:hiddenLine xmlns:a14="http://schemas.microsoft.com/office/drawing/2010/main" xmlns="" w="9525">
+              <a:ext uri="{91240B29-F687-4F45-9708-019B960494DF}">
+                <a14:hiddenLine xmlns:a14="http://schemas.microsoft.com/office/drawing/2010/main" w="9525">
                   <a:solidFill>
                     <a:srgbClr val="000000"/>
                   </a:solidFill>
@@ -1529,8 +1529,8 @@
               <a:noFill/>
             </a:ln>
             <a:extLst>
-              <a:ext uri="{91240B29-F687-4f45-9708-019B960494DF}">
-                <a14:hiddenLine xmlns:a14="http://schemas.microsoft.com/office/drawing/2010/main" xmlns="" w="9525">
+              <a:ext uri="{91240B29-F687-4F45-9708-019B960494DF}">
+                <a14:hiddenLine xmlns:a14="http://schemas.microsoft.com/office/drawing/2010/main" w="9525">
                   <a:solidFill>
                     <a:srgbClr val="000000"/>
                   </a:solidFill>
@@ -1619,8 +1619,8 @@
               <a:noFill/>
             </a:ln>
             <a:extLst>
-              <a:ext uri="{91240B29-F687-4f45-9708-019B960494DF}">
-                <a14:hiddenLine xmlns:a14="http://schemas.microsoft.com/office/drawing/2010/main" xmlns="" w="9525">
+              <a:ext uri="{91240B29-F687-4F45-9708-019B960494DF}">
+                <a14:hiddenLine xmlns:a14="http://schemas.microsoft.com/office/drawing/2010/main" w="9525">
                   <a:solidFill>
                     <a:srgbClr val="000000"/>
                   </a:solidFill>
@@ -1709,8 +1709,8 @@
               <a:noFill/>
             </a:ln>
             <a:extLst>
-              <a:ext uri="{91240B29-F687-4f45-9708-019B960494DF}">
-                <a14:hiddenLine xmlns:a14="http://schemas.microsoft.com/office/drawing/2010/main" xmlns="" w="9525">
+              <a:ext uri="{91240B29-F687-4F45-9708-019B960494DF}">
+                <a14:hiddenLine xmlns:a14="http://schemas.microsoft.com/office/drawing/2010/main" w="9525">
                   <a:solidFill>
                     <a:srgbClr val="000000"/>
                   </a:solidFill>
@@ -1765,8 +1765,8 @@
               <a:noFill/>
             </a:ln>
             <a:extLst>
-              <a:ext uri="{91240B29-F687-4f45-9708-019B960494DF}">
-                <a14:hiddenLine xmlns:a14="http://schemas.microsoft.com/office/drawing/2010/main" xmlns="" w="9525">
+              <a:ext uri="{91240B29-F687-4F45-9708-019B960494DF}">
+                <a14:hiddenLine xmlns:a14="http://schemas.microsoft.com/office/drawing/2010/main" w="9525">
                   <a:solidFill>
                     <a:srgbClr val="000000"/>
                   </a:solidFill>
@@ -1855,8 +1855,8 @@
               <a:noFill/>
             </a:ln>
             <a:extLst>
-              <a:ext uri="{91240B29-F687-4f45-9708-019B960494DF}">
-                <a14:hiddenLine xmlns:a14="http://schemas.microsoft.com/office/drawing/2010/main" xmlns="" w="9525">
+              <a:ext uri="{91240B29-F687-4F45-9708-019B960494DF}">
+                <a14:hiddenLine xmlns:a14="http://schemas.microsoft.com/office/drawing/2010/main" w="9525">
                   <a:solidFill>
                     <a:srgbClr val="000000"/>
                   </a:solidFill>
@@ -1911,8 +1911,8 @@
               <a:noFill/>
             </a:ln>
             <a:extLst>
-              <a:ext uri="{91240B29-F687-4f45-9708-019B960494DF}">
-                <a14:hiddenLine xmlns:a14="http://schemas.microsoft.com/office/drawing/2010/main" xmlns="" w="9525">
+              <a:ext uri="{91240B29-F687-4F45-9708-019B960494DF}">
+                <a14:hiddenLine xmlns:a14="http://schemas.microsoft.com/office/drawing/2010/main" w="9525">
                   <a:solidFill>
                     <a:srgbClr val="000000"/>
                   </a:solidFill>
@@ -2001,8 +2001,8 @@
               <a:noFill/>
             </a:ln>
             <a:extLst>
-              <a:ext uri="{91240B29-F687-4f45-9708-019B960494DF}">
-                <a14:hiddenLine xmlns:a14="http://schemas.microsoft.com/office/drawing/2010/main" xmlns="" w="9525">
+              <a:ext uri="{91240B29-F687-4F45-9708-019B960494DF}">
+                <a14:hiddenLine xmlns:a14="http://schemas.microsoft.com/office/drawing/2010/main" w="9525">
                   <a:solidFill>
                     <a:srgbClr val="000000"/>
                   </a:solidFill>
@@ -2069,8 +2069,8 @@
               <a:noFill/>
             </a:ln>
             <a:extLst>
-              <a:ext uri="{91240B29-F687-4f45-9708-019B960494DF}">
-                <a14:hiddenLine xmlns:a14="http://schemas.microsoft.com/office/drawing/2010/main" xmlns="" w="9525">
+              <a:ext uri="{91240B29-F687-4F45-9708-019B960494DF}">
+                <a14:hiddenLine xmlns:a14="http://schemas.microsoft.com/office/drawing/2010/main" w="9525">
                   <a:solidFill>
                     <a:srgbClr val="000000"/>
                   </a:solidFill>
@@ -2159,8 +2159,8 @@
               <a:noFill/>
             </a:ln>
             <a:extLst>
-              <a:ext uri="{91240B29-F687-4f45-9708-019B960494DF}">
-                <a14:hiddenLine xmlns:a14="http://schemas.microsoft.com/office/drawing/2010/main" xmlns="" w="9525">
+              <a:ext uri="{91240B29-F687-4F45-9708-019B960494DF}">
+                <a14:hiddenLine xmlns:a14="http://schemas.microsoft.com/office/drawing/2010/main" w="9525">
                   <a:solidFill>
                     <a:srgbClr val="000000"/>
                   </a:solidFill>
@@ -2227,8 +2227,8 @@
               <a:noFill/>
             </a:ln>
             <a:extLst>
-              <a:ext uri="{91240B29-F687-4f45-9708-019B960494DF}">
-                <a14:hiddenLine xmlns:a14="http://schemas.microsoft.com/office/drawing/2010/main" xmlns="" w="9525">
+              <a:ext uri="{91240B29-F687-4F45-9708-019B960494DF}">
+                <a14:hiddenLine xmlns:a14="http://schemas.microsoft.com/office/drawing/2010/main" w="9525">
                   <a:solidFill>
                     <a:srgbClr val="000000"/>
                   </a:solidFill>
@@ -2317,8 +2317,8 @@
               <a:noFill/>
             </a:ln>
             <a:extLst>
-              <a:ext uri="{91240B29-F687-4f45-9708-019B960494DF}">
-                <a14:hiddenLine xmlns:a14="http://schemas.microsoft.com/office/drawing/2010/main" xmlns="" w="9525">
+              <a:ext uri="{91240B29-F687-4F45-9708-019B960494DF}">
+                <a14:hiddenLine xmlns:a14="http://schemas.microsoft.com/office/drawing/2010/main" w="9525">
                   <a:solidFill>
                     <a:srgbClr val="000000"/>
                   </a:solidFill>
@@ -2351,8 +2351,8 @@
               <a:noFill/>
             </a:ln>
             <a:extLst>
-              <a:ext uri="{91240B29-F687-4f45-9708-019B960494DF}">
-                <a14:hiddenLine xmlns:a14="http://schemas.microsoft.com/office/drawing/2010/main" xmlns="" w="9525">
+              <a:ext uri="{91240B29-F687-4F45-9708-019B960494DF}">
+                <a14:hiddenLine xmlns:a14="http://schemas.microsoft.com/office/drawing/2010/main" w="9525">
                   <a:solidFill>
                     <a:srgbClr val="000000"/>
                   </a:solidFill>
@@ -2441,8 +2441,8 @@
               <a:noFill/>
             </a:ln>
             <a:extLst>
-              <a:ext uri="{91240B29-F687-4f45-9708-019B960494DF}">
-                <a14:hiddenLine xmlns:a14="http://schemas.microsoft.com/office/drawing/2010/main" xmlns="" w="9525">
+              <a:ext uri="{91240B29-F687-4F45-9708-019B960494DF}">
+                <a14:hiddenLine xmlns:a14="http://schemas.microsoft.com/office/drawing/2010/main" w="9525">
                   <a:solidFill>
                     <a:srgbClr val="000000"/>
                   </a:solidFill>
@@ -2503,8 +2503,8 @@
               <a:noFill/>
             </a:ln>
             <a:extLst>
-              <a:ext uri="{91240B29-F687-4f45-9708-019B960494DF}">
-                <a14:hiddenLine xmlns:a14="http://schemas.microsoft.com/office/drawing/2010/main" xmlns="" w="9525">
+              <a:ext uri="{91240B29-F687-4F45-9708-019B960494DF}">
+                <a14:hiddenLine xmlns:a14="http://schemas.microsoft.com/office/drawing/2010/main" w="9525">
                   <a:solidFill>
                     <a:srgbClr val="000000"/>
                   </a:solidFill>
@@ -2565,8 +2565,8 @@
               <a:noFill/>
             </a:ln>
             <a:extLst>
-              <a:ext uri="{91240B29-F687-4f45-9708-019B960494DF}">
-                <a14:hiddenLine xmlns:a14="http://schemas.microsoft.com/office/drawing/2010/main" xmlns="" w="9525">
+              <a:ext uri="{91240B29-F687-4F45-9708-019B960494DF}">
+                <a14:hiddenLine xmlns:a14="http://schemas.microsoft.com/office/drawing/2010/main" w="9525">
                   <a:solidFill>
                     <a:srgbClr val="000000"/>
                   </a:solidFill>
@@ -2655,8 +2655,8 @@
               <a:noFill/>
             </a:ln>
             <a:extLst>
-              <a:ext uri="{91240B29-F687-4f45-9708-019B960494DF}">
-                <a14:hiddenLine xmlns:a14="http://schemas.microsoft.com/office/drawing/2010/main" xmlns="" w="9525">
+              <a:ext uri="{91240B29-F687-4F45-9708-019B960494DF}">
+                <a14:hiddenLine xmlns:a14="http://schemas.microsoft.com/office/drawing/2010/main" w="9525">
                   <a:solidFill>
                     <a:srgbClr val="000000"/>
                   </a:solidFill>
@@ -2723,8 +2723,8 @@
               <a:noFill/>
             </a:ln>
             <a:extLst>
-              <a:ext uri="{91240B29-F687-4f45-9708-019B960494DF}">
-                <a14:hiddenLine xmlns:a14="http://schemas.microsoft.com/office/drawing/2010/main" xmlns="" w="9525">
+              <a:ext uri="{91240B29-F687-4F45-9708-019B960494DF}">
+                <a14:hiddenLine xmlns:a14="http://schemas.microsoft.com/office/drawing/2010/main" w="9525">
                   <a:solidFill>
                     <a:srgbClr val="000000"/>
                   </a:solidFill>
@@ -2785,8 +2785,8 @@
               <a:noFill/>
             </a:ln>
             <a:extLst>
-              <a:ext uri="{91240B29-F687-4f45-9708-019B960494DF}">
-                <a14:hiddenLine xmlns:a14="http://schemas.microsoft.com/office/drawing/2010/main" xmlns="" w="9525">
+              <a:ext uri="{91240B29-F687-4F45-9708-019B960494DF}">
+                <a14:hiddenLine xmlns:a14="http://schemas.microsoft.com/office/drawing/2010/main" w="9525">
                   <a:solidFill>
                     <a:srgbClr val="000000"/>
                   </a:solidFill>
@@ -2875,8 +2875,8 @@
               <a:noFill/>
             </a:ln>
             <a:extLst>
-              <a:ext uri="{91240B29-F687-4f45-9708-019B960494DF}">
-                <a14:hiddenLine xmlns:a14="http://schemas.microsoft.com/office/drawing/2010/main" xmlns="" w="9525">
+              <a:ext uri="{91240B29-F687-4F45-9708-019B960494DF}">
+                <a14:hiddenLine xmlns:a14="http://schemas.microsoft.com/office/drawing/2010/main" w="9525">
                   <a:solidFill>
                     <a:srgbClr val="000000"/>
                   </a:solidFill>
@@ -2937,8 +2937,8 @@
               <a:noFill/>
             </a:ln>
             <a:extLst>
-              <a:ext uri="{91240B29-F687-4f45-9708-019B960494DF}">
-                <a14:hiddenLine xmlns:a14="http://schemas.microsoft.com/office/drawing/2010/main" xmlns="" w="9525">
+              <a:ext uri="{91240B29-F687-4F45-9708-019B960494DF}">
+                <a14:hiddenLine xmlns:a14="http://schemas.microsoft.com/office/drawing/2010/main" w="9525">
                   <a:solidFill>
                     <a:srgbClr val="000000"/>
                   </a:solidFill>
@@ -3027,8 +3027,8 @@
               <a:noFill/>
             </a:ln>
             <a:extLst>
-              <a:ext uri="{91240B29-F687-4f45-9708-019B960494DF}">
-                <a14:hiddenLine xmlns:a14="http://schemas.microsoft.com/office/drawing/2010/main" xmlns="" w="9525">
+              <a:ext uri="{91240B29-F687-4F45-9708-019B960494DF}">
+                <a14:hiddenLine xmlns:a14="http://schemas.microsoft.com/office/drawing/2010/main" w="9525">
                   <a:solidFill>
                     <a:srgbClr val="000000"/>
                   </a:solidFill>
@@ -3089,8 +3089,8 @@
               <a:noFill/>
             </a:ln>
             <a:extLst>
-              <a:ext uri="{91240B29-F687-4f45-9708-019B960494DF}">
-                <a14:hiddenLine xmlns:a14="http://schemas.microsoft.com/office/drawing/2010/main" xmlns="" w="9525">
+              <a:ext uri="{91240B29-F687-4F45-9708-019B960494DF}">
+                <a14:hiddenLine xmlns:a14="http://schemas.microsoft.com/office/drawing/2010/main" w="9525">
                   <a:solidFill>
                     <a:srgbClr val="000000"/>
                   </a:solidFill>
@@ -3179,8 +3179,8 @@
               <a:noFill/>
             </a:ln>
             <a:extLst>
-              <a:ext uri="{91240B29-F687-4f45-9708-019B960494DF}">
-                <a14:hiddenLine xmlns:a14="http://schemas.microsoft.com/office/drawing/2010/main" xmlns="" w="9525">
+              <a:ext uri="{91240B29-F687-4F45-9708-019B960494DF}">
+                <a14:hiddenLine xmlns:a14="http://schemas.microsoft.com/office/drawing/2010/main" w="9525">
                   <a:solidFill>
                     <a:srgbClr val="000000"/>
                   </a:solidFill>
@@ -3213,8 +3213,8 @@
               <a:noFill/>
             </a:ln>
             <a:extLst>
-              <a:ext uri="{91240B29-F687-4f45-9708-019B960494DF}">
-                <a14:hiddenLine xmlns:a14="http://schemas.microsoft.com/office/drawing/2010/main" xmlns="" w="9525">
+              <a:ext uri="{91240B29-F687-4F45-9708-019B960494DF}">
+                <a14:hiddenLine xmlns:a14="http://schemas.microsoft.com/office/drawing/2010/main" w="9525">
                   <a:solidFill>
                     <a:srgbClr val="000000"/>
                   </a:solidFill>
@@ -3278,8 +3278,8 @@
               <a:noFill/>
             </a:ln>
             <a:extLst>
-              <a:ext uri="{91240B29-F687-4f45-9708-019B960494DF}">
-                <a14:hiddenLine xmlns:a14="http://schemas.microsoft.com/office/drawing/2010/main" xmlns="" w="9525">
+              <a:ext uri="{91240B29-F687-4F45-9708-019B960494DF}">
+                <a14:hiddenLine xmlns:a14="http://schemas.microsoft.com/office/drawing/2010/main" w="9525">
                   <a:solidFill>
                     <a:srgbClr val="000000"/>
                   </a:solidFill>
@@ -3368,8 +3368,8 @@
               <a:noFill/>
             </a:ln>
             <a:extLst>
-              <a:ext uri="{91240B29-F687-4f45-9708-019B960494DF}">
-                <a14:hiddenLine xmlns:a14="http://schemas.microsoft.com/office/drawing/2010/main" xmlns="" w="9525">
+              <a:ext uri="{91240B29-F687-4F45-9708-019B960494DF}">
+                <a14:hiddenLine xmlns:a14="http://schemas.microsoft.com/office/drawing/2010/main" w="9525">
                   <a:solidFill>
                     <a:srgbClr val="000000"/>
                   </a:solidFill>
@@ -3430,8 +3430,8 @@
               <a:noFill/>
             </a:ln>
             <a:extLst>
-              <a:ext uri="{91240B29-F687-4f45-9708-019B960494DF}">
-                <a14:hiddenLine xmlns:a14="http://schemas.microsoft.com/office/drawing/2010/main" xmlns="" w="9525">
+              <a:ext uri="{91240B29-F687-4F45-9708-019B960494DF}">
+                <a14:hiddenLine xmlns:a14="http://schemas.microsoft.com/office/drawing/2010/main" w="9525">
                   <a:solidFill>
                     <a:srgbClr val="000000"/>
                   </a:solidFill>
@@ -3520,8 +3520,8 @@
               <a:noFill/>
             </a:ln>
             <a:extLst>
-              <a:ext uri="{91240B29-F687-4f45-9708-019B960494DF}">
-                <a14:hiddenLine xmlns:a14="http://schemas.microsoft.com/office/drawing/2010/main" xmlns="" w="9525">
+              <a:ext uri="{91240B29-F687-4F45-9708-019B960494DF}">
+                <a14:hiddenLine xmlns:a14="http://schemas.microsoft.com/office/drawing/2010/main" w="9525">
                   <a:solidFill>
                     <a:srgbClr val="000000"/>
                   </a:solidFill>
@@ -3610,8 +3610,8 @@
               <a:noFill/>
             </a:ln>
             <a:extLst>
-              <a:ext uri="{91240B29-F687-4f45-9708-019B960494DF}">
-                <a14:hiddenLine xmlns:a14="http://schemas.microsoft.com/office/drawing/2010/main" xmlns="" w="9525">
+              <a:ext uri="{91240B29-F687-4F45-9708-019B960494DF}">
+                <a14:hiddenLine xmlns:a14="http://schemas.microsoft.com/office/drawing/2010/main" w="9525">
                   <a:solidFill>
                     <a:srgbClr val="000000"/>
                   </a:solidFill>
@@ -3675,8 +3675,8 @@
               <a:noFill/>
             </a:ln>
             <a:extLst>
-              <a:ext uri="{91240B29-F687-4f45-9708-019B960494DF}">
-                <a14:hiddenLine xmlns:a14="http://schemas.microsoft.com/office/drawing/2010/main" xmlns="" w="9525">
+              <a:ext uri="{91240B29-F687-4F45-9708-019B960494DF}">
+                <a14:hiddenLine xmlns:a14="http://schemas.microsoft.com/office/drawing/2010/main" w="9525">
                   <a:solidFill>
                     <a:srgbClr val="000000"/>
                   </a:solidFill>
@@ -3737,8 +3737,8 @@
               <a:noFill/>
             </a:ln>
             <a:extLst>
-              <a:ext uri="{91240B29-F687-4f45-9708-019B960494DF}">
-                <a14:hiddenLine xmlns:a14="http://schemas.microsoft.com/office/drawing/2010/main" xmlns="" w="9525">
+              <a:ext uri="{91240B29-F687-4F45-9708-019B960494DF}">
+                <a14:hiddenLine xmlns:a14="http://schemas.microsoft.com/office/drawing/2010/main" w="9525">
                   <a:solidFill>
                     <a:srgbClr val="000000"/>
                   </a:solidFill>
@@ -3827,8 +3827,8 @@
               <a:noFill/>
             </a:ln>
             <a:extLst>
-              <a:ext uri="{91240B29-F687-4f45-9708-019B960494DF}">
-                <a14:hiddenLine xmlns:a14="http://schemas.microsoft.com/office/drawing/2010/main" xmlns="" w="9525">
+              <a:ext uri="{91240B29-F687-4F45-9708-019B960494DF}">
+                <a14:hiddenLine xmlns:a14="http://schemas.microsoft.com/office/drawing/2010/main" w="9525">
                   <a:solidFill>
                     <a:srgbClr val="000000"/>
                   </a:solidFill>
@@ -3917,8 +3917,8 @@
               <a:noFill/>
             </a:ln>
             <a:extLst>
-              <a:ext uri="{91240B29-F687-4f45-9708-019B960494DF}">
-                <a14:hiddenLine xmlns:a14="http://schemas.microsoft.com/office/drawing/2010/main" xmlns="" w="9525">
+              <a:ext uri="{91240B29-F687-4F45-9708-019B960494DF}">
+                <a14:hiddenLine xmlns:a14="http://schemas.microsoft.com/office/drawing/2010/main" w="9525">
                   <a:solidFill>
                     <a:srgbClr val="000000"/>
                   </a:solidFill>
@@ -3979,8 +3979,8 @@
               <a:noFill/>
             </a:ln>
             <a:extLst>
-              <a:ext uri="{91240B29-F687-4f45-9708-019B960494DF}">
-                <a14:hiddenLine xmlns:a14="http://schemas.microsoft.com/office/drawing/2010/main" xmlns="" w="9525">
+              <a:ext uri="{91240B29-F687-4F45-9708-019B960494DF}">
+                <a14:hiddenLine xmlns:a14="http://schemas.microsoft.com/office/drawing/2010/main" w="9525">
                   <a:solidFill>
                     <a:srgbClr val="000000"/>
                   </a:solidFill>
@@ -4099,8 +4099,8 @@
               <a:noFill/>
             </a:ln>
             <a:extLst>
-              <a:ext uri="{91240B29-F687-4f45-9708-019B960494DF}">
-                <a14:hiddenLine xmlns:a14="http://schemas.microsoft.com/office/drawing/2010/main" xmlns="" w="9525">
+              <a:ext uri="{91240B29-F687-4F45-9708-019B960494DF}">
+                <a14:hiddenLine xmlns:a14="http://schemas.microsoft.com/office/drawing/2010/main" w="9525">
                   <a:solidFill>
                     <a:srgbClr val="000000"/>
                   </a:solidFill>
@@ -4167,8 +4167,8 @@
               <a:noFill/>
             </a:ln>
             <a:extLst>
-              <a:ext uri="{91240B29-F687-4f45-9708-019B960494DF}">
-                <a14:hiddenLine xmlns:a14="http://schemas.microsoft.com/office/drawing/2010/main" xmlns="" w="9525">
+              <a:ext uri="{91240B29-F687-4F45-9708-019B960494DF}">
+                <a14:hiddenLine xmlns:a14="http://schemas.microsoft.com/office/drawing/2010/main" w="9525">
                   <a:solidFill>
                     <a:srgbClr val="000000"/>
                   </a:solidFill>
@@ -4257,8 +4257,8 @@
               <a:noFill/>
             </a:ln>
             <a:extLst>
-              <a:ext uri="{91240B29-F687-4f45-9708-019B960494DF}">
-                <a14:hiddenLine xmlns:a14="http://schemas.microsoft.com/office/drawing/2010/main" xmlns="" w="9525">
+              <a:ext uri="{91240B29-F687-4F45-9708-019B960494DF}">
+                <a14:hiddenLine xmlns:a14="http://schemas.microsoft.com/office/drawing/2010/main" w="9525">
                   <a:solidFill>
                     <a:srgbClr val="000000"/>
                   </a:solidFill>
@@ -4398,7 +4398,7 @@
           <a:p>
             <a:fld id="{7C875C54-FAC8-4591-8C29-E480AB966F94}" type="datetimeFigureOut">
               <a:rPr lang="en-IN" smtClean="0"/>
-              <a:t>05-10-2024</a:t>
+              <a:t>13-10-2024</a:t>
             </a:fld>
             <a:endParaRPr lang="en-IN"/>
           </a:p>
@@ -4665,7 +4665,7 @@
           <a:p>
             <a:fld id="{7C875C54-FAC8-4591-8C29-E480AB966F94}" type="datetimeFigureOut">
               <a:rPr lang="en-IN" smtClean="0"/>
-              <a:t>05-10-2024</a:t>
+              <a:t>13-10-2024</a:t>
             </a:fld>
             <a:endParaRPr lang="en-IN"/>
           </a:p>
@@ -4861,7 +4861,7 @@
           <a:p>
             <a:fld id="{7C875C54-FAC8-4591-8C29-E480AB966F94}" type="datetimeFigureOut">
               <a:rPr lang="en-IN" smtClean="0"/>
-              <a:t>05-10-2024</a:t>
+              <a:t>13-10-2024</a:t>
             </a:fld>
             <a:endParaRPr lang="en-IN"/>
           </a:p>
@@ -5124,7 +5124,7 @@
           <a:p>
             <a:fld id="{7C875C54-FAC8-4591-8C29-E480AB966F94}" type="datetimeFigureOut">
               <a:rPr lang="en-IN" smtClean="0"/>
-              <a:t>05-10-2024</a:t>
+              <a:t>13-10-2024</a:t>
             </a:fld>
             <a:endParaRPr lang="en-IN"/>
           </a:p>
@@ -5558,7 +5558,7 @@
           <a:p>
             <a:fld id="{7C875C54-FAC8-4591-8C29-E480AB966F94}" type="datetimeFigureOut">
               <a:rPr lang="en-IN" smtClean="0"/>
-              <a:t>05-10-2024</a:t>
+              <a:t>13-10-2024</a:t>
             </a:fld>
             <a:endParaRPr lang="en-IN"/>
           </a:p>
@@ -6104,7 +6104,7 @@
           <a:p>
             <a:fld id="{7C875C54-FAC8-4591-8C29-E480AB966F94}" type="datetimeFigureOut">
               <a:rPr lang="en-IN" smtClean="0"/>
-              <a:t>05-10-2024</a:t>
+              <a:t>13-10-2024</a:t>
             </a:fld>
             <a:endParaRPr lang="en-IN"/>
           </a:p>
@@ -6824,7 +6824,7 @@
           <a:p>
             <a:fld id="{7C875C54-FAC8-4591-8C29-E480AB966F94}" type="datetimeFigureOut">
               <a:rPr lang="en-IN" smtClean="0"/>
-              <a:t>05-10-2024</a:t>
+              <a:t>13-10-2024</a:t>
             </a:fld>
             <a:endParaRPr lang="en-IN"/>
           </a:p>
@@ -6994,7 +6994,7 @@
           <a:p>
             <a:fld id="{7C875C54-FAC8-4591-8C29-E480AB966F94}" type="datetimeFigureOut">
               <a:rPr lang="en-IN" smtClean="0"/>
-              <a:t>05-10-2024</a:t>
+              <a:t>13-10-2024</a:t>
             </a:fld>
             <a:endParaRPr lang="en-IN"/>
           </a:p>
@@ -7174,7 +7174,7 @@
           <a:p>
             <a:fld id="{7C875C54-FAC8-4591-8C29-E480AB966F94}" type="datetimeFigureOut">
               <a:rPr lang="en-IN" smtClean="0"/>
-              <a:t>05-10-2024</a:t>
+              <a:t>13-10-2024</a:t>
             </a:fld>
             <a:endParaRPr lang="en-IN"/>
           </a:p>
@@ -7344,7 +7344,7 @@
           <a:p>
             <a:fld id="{7C875C54-FAC8-4591-8C29-E480AB966F94}" type="datetimeFigureOut">
               <a:rPr lang="en-IN" smtClean="0"/>
-              <a:t>05-10-2024</a:t>
+              <a:t>13-10-2024</a:t>
             </a:fld>
             <a:endParaRPr lang="en-IN"/>
           </a:p>
@@ -7594,7 +7594,7 @@
           <a:p>
             <a:fld id="{7C875C54-FAC8-4591-8C29-E480AB966F94}" type="datetimeFigureOut">
               <a:rPr lang="en-IN" smtClean="0"/>
-              <a:t>05-10-2024</a:t>
+              <a:t>13-10-2024</a:t>
             </a:fld>
             <a:endParaRPr lang="en-IN"/>
           </a:p>
@@ -7826,7 +7826,7 @@
           <a:p>
             <a:fld id="{7C875C54-FAC8-4591-8C29-E480AB966F94}" type="datetimeFigureOut">
               <a:rPr lang="en-IN" smtClean="0"/>
-              <a:t>05-10-2024</a:t>
+              <a:t>13-10-2024</a:t>
             </a:fld>
             <a:endParaRPr lang="en-IN"/>
           </a:p>
@@ -8207,7 +8207,7 @@
           <a:p>
             <a:fld id="{7C875C54-FAC8-4591-8C29-E480AB966F94}" type="datetimeFigureOut">
               <a:rPr lang="en-IN" smtClean="0"/>
-              <a:t>05-10-2024</a:t>
+              <a:t>13-10-2024</a:t>
             </a:fld>
             <a:endParaRPr lang="en-IN"/>
           </a:p>
@@ -8325,7 +8325,7 @@
           <a:p>
             <a:fld id="{7C875C54-FAC8-4591-8C29-E480AB966F94}" type="datetimeFigureOut">
               <a:rPr lang="en-IN" smtClean="0"/>
-              <a:t>05-10-2024</a:t>
+              <a:t>13-10-2024</a:t>
             </a:fld>
             <a:endParaRPr lang="en-IN"/>
           </a:p>
@@ -8420,7 +8420,7 @@
           <a:p>
             <a:fld id="{7C875C54-FAC8-4591-8C29-E480AB966F94}" type="datetimeFigureOut">
               <a:rPr lang="en-IN" smtClean="0"/>
-              <a:t>05-10-2024</a:t>
+              <a:t>13-10-2024</a:t>
             </a:fld>
             <a:endParaRPr lang="en-IN"/>
           </a:p>
@@ -8669,7 +8669,7 @@
           <a:p>
             <a:fld id="{7C875C54-FAC8-4591-8C29-E480AB966F94}" type="datetimeFigureOut">
               <a:rPr lang="en-IN" smtClean="0"/>
-              <a:t>05-10-2024</a:t>
+              <a:t>13-10-2024</a:t>
             </a:fld>
             <a:endParaRPr lang="en-IN"/>
           </a:p>
@@ -8949,7 +8949,7 @@
           <a:p>
             <a:fld id="{7C875C54-FAC8-4591-8C29-E480AB966F94}" type="datetimeFigureOut">
               <a:rPr lang="en-IN" smtClean="0"/>
-              <a:t>05-10-2024</a:t>
+              <a:t>13-10-2024</a:t>
             </a:fld>
             <a:endParaRPr lang="en-IN"/>
           </a:p>
@@ -9071,8 +9071,8 @@
           </a:prstGeom>
           <a:noFill/>
           <a:extLst>
-            <a:ext uri="{909E8E84-426E-40dd-AFC4-6F175D3DCCD1}">
-              <a14:hiddenFill xmlns:a14="http://schemas.microsoft.com/office/drawing/2010/main" xmlns="">
+            <a:ext uri="{909E8E84-426E-40DD-AFC4-6F175D3DCCD1}">
+              <a14:hiddenFill xmlns:a14="http://schemas.microsoft.com/office/drawing/2010/main">
                 <a:solidFill>
                   <a:srgbClr val="FFFFFF"/>
                 </a:solidFill>
@@ -9145,8 +9145,8 @@
                 <a:noFill/>
               </a:ln>
               <a:extLst>
-                <a:ext uri="{91240B29-F687-4f45-9708-019B960494DF}">
-                  <a14:hiddenLine xmlns:a14="http://schemas.microsoft.com/office/drawing/2010/main" xmlns="" w="9525">
+                <a:ext uri="{91240B29-F687-4F45-9708-019B960494DF}">
+                  <a14:hiddenLine xmlns:a14="http://schemas.microsoft.com/office/drawing/2010/main" w="9525">
                     <a:solidFill>
                       <a:srgbClr val="000000"/>
                     </a:solidFill>
@@ -9235,8 +9235,8 @@
                 <a:noFill/>
               </a:ln>
               <a:extLst>
-                <a:ext uri="{91240B29-F687-4f45-9708-019B960494DF}">
-                  <a14:hiddenLine xmlns:a14="http://schemas.microsoft.com/office/drawing/2010/main" xmlns="" w="9525">
+                <a:ext uri="{91240B29-F687-4F45-9708-019B960494DF}">
+                  <a14:hiddenLine xmlns:a14="http://schemas.microsoft.com/office/drawing/2010/main" w="9525">
                     <a:solidFill>
                       <a:srgbClr val="000000"/>
                     </a:solidFill>
@@ -9325,8 +9325,8 @@
                 <a:noFill/>
               </a:ln>
               <a:extLst>
-                <a:ext uri="{91240B29-F687-4f45-9708-019B960494DF}">
-                  <a14:hiddenLine xmlns:a14="http://schemas.microsoft.com/office/drawing/2010/main" xmlns="" w="9525">
+                <a:ext uri="{91240B29-F687-4F45-9708-019B960494DF}">
+                  <a14:hiddenLine xmlns:a14="http://schemas.microsoft.com/office/drawing/2010/main" w="9525">
                     <a:solidFill>
                       <a:srgbClr val="000000"/>
                     </a:solidFill>
@@ -9387,8 +9387,8 @@
                 <a:noFill/>
               </a:ln>
               <a:extLst>
-                <a:ext uri="{91240B29-F687-4f45-9708-019B960494DF}">
-                  <a14:hiddenLine xmlns:a14="http://schemas.microsoft.com/office/drawing/2010/main" xmlns="" w="9525">
+                <a:ext uri="{91240B29-F687-4F45-9708-019B960494DF}">
+                  <a14:hiddenLine xmlns:a14="http://schemas.microsoft.com/office/drawing/2010/main" w="9525">
                     <a:solidFill>
                       <a:srgbClr val="000000"/>
                     </a:solidFill>
@@ -9477,8 +9477,8 @@
                 <a:noFill/>
               </a:ln>
               <a:extLst>
-                <a:ext uri="{91240B29-F687-4f45-9708-019B960494DF}">
-                  <a14:hiddenLine xmlns:a14="http://schemas.microsoft.com/office/drawing/2010/main" xmlns="" w="9525">
+                <a:ext uri="{91240B29-F687-4F45-9708-019B960494DF}">
+                  <a14:hiddenLine xmlns:a14="http://schemas.microsoft.com/office/drawing/2010/main" w="9525">
                     <a:solidFill>
                       <a:srgbClr val="000000"/>
                     </a:solidFill>
@@ -9539,8 +9539,8 @@
                 <a:noFill/>
               </a:ln>
               <a:extLst>
-                <a:ext uri="{91240B29-F687-4f45-9708-019B960494DF}">
-                  <a14:hiddenLine xmlns:a14="http://schemas.microsoft.com/office/drawing/2010/main" xmlns="" w="9525">
+                <a:ext uri="{91240B29-F687-4F45-9708-019B960494DF}">
+                  <a14:hiddenLine xmlns:a14="http://schemas.microsoft.com/office/drawing/2010/main" w="9525">
                     <a:solidFill>
                       <a:srgbClr val="000000"/>
                     </a:solidFill>
@@ -9601,8 +9601,8 @@
                 <a:noFill/>
               </a:ln>
               <a:extLst>
-                <a:ext uri="{91240B29-F687-4f45-9708-019B960494DF}">
-                  <a14:hiddenLine xmlns:a14="http://schemas.microsoft.com/office/drawing/2010/main" xmlns="" w="9525">
+                <a:ext uri="{91240B29-F687-4F45-9708-019B960494DF}">
+                  <a14:hiddenLine xmlns:a14="http://schemas.microsoft.com/office/drawing/2010/main" w="9525">
                     <a:solidFill>
                       <a:srgbClr val="000000"/>
                     </a:solidFill>
@@ -9691,8 +9691,8 @@
                 <a:noFill/>
               </a:ln>
               <a:extLst>
-                <a:ext uri="{91240B29-F687-4f45-9708-019B960494DF}">
-                  <a14:hiddenLine xmlns:a14="http://schemas.microsoft.com/office/drawing/2010/main" xmlns="" w="9525">
+                <a:ext uri="{91240B29-F687-4F45-9708-019B960494DF}">
+                  <a14:hiddenLine xmlns:a14="http://schemas.microsoft.com/office/drawing/2010/main" w="9525">
                     <a:solidFill>
                       <a:srgbClr val="000000"/>
                     </a:solidFill>
@@ -9781,8 +9781,8 @@
                 <a:noFill/>
               </a:ln>
               <a:extLst>
-                <a:ext uri="{91240B29-F687-4f45-9708-019B960494DF}">
-                  <a14:hiddenLine xmlns:a14="http://schemas.microsoft.com/office/drawing/2010/main" xmlns="" w="9525">
+                <a:ext uri="{91240B29-F687-4F45-9708-019B960494DF}">
+                  <a14:hiddenLine xmlns:a14="http://schemas.microsoft.com/office/drawing/2010/main" w="9525">
                     <a:solidFill>
                       <a:srgbClr val="000000"/>
                     </a:solidFill>
@@ -9843,8 +9843,8 @@
                 <a:noFill/>
               </a:ln>
               <a:extLst>
-                <a:ext uri="{91240B29-F687-4f45-9708-019B960494DF}">
-                  <a14:hiddenLine xmlns:a14="http://schemas.microsoft.com/office/drawing/2010/main" xmlns="" w="9525">
+                <a:ext uri="{91240B29-F687-4F45-9708-019B960494DF}">
+                  <a14:hiddenLine xmlns:a14="http://schemas.microsoft.com/office/drawing/2010/main" w="9525">
                     <a:solidFill>
                       <a:srgbClr val="000000"/>
                     </a:solidFill>
@@ -9953,8 +9953,8 @@
                 <a:noFill/>
               </a:ln>
               <a:extLst>
-                <a:ext uri="{91240B29-F687-4f45-9708-019B960494DF}">
-                  <a14:hiddenLine xmlns:a14="http://schemas.microsoft.com/office/drawing/2010/main" xmlns="" w="9525">
+                <a:ext uri="{91240B29-F687-4F45-9708-019B960494DF}">
+                  <a14:hiddenLine xmlns:a14="http://schemas.microsoft.com/office/drawing/2010/main" w="9525">
                     <a:solidFill>
                       <a:srgbClr val="000000"/>
                     </a:solidFill>
@@ -10037,8 +10037,8 @@
                 <a:noFill/>
               </a:ln>
               <a:extLst>
-                <a:ext uri="{91240B29-F687-4f45-9708-019B960494DF}">
-                  <a14:hiddenLine xmlns:a14="http://schemas.microsoft.com/office/drawing/2010/main" xmlns="" w="9525">
+                <a:ext uri="{91240B29-F687-4F45-9708-019B960494DF}">
+                  <a14:hiddenLine xmlns:a14="http://schemas.microsoft.com/office/drawing/2010/main" w="9525">
                     <a:solidFill>
                       <a:srgbClr val="000000"/>
                     </a:solidFill>
@@ -10099,8 +10099,8 @@
                 <a:noFill/>
               </a:ln>
               <a:extLst>
-                <a:ext uri="{91240B29-F687-4f45-9708-019B960494DF}">
-                  <a14:hiddenLine xmlns:a14="http://schemas.microsoft.com/office/drawing/2010/main" xmlns="" w="9525">
+                <a:ext uri="{91240B29-F687-4F45-9708-019B960494DF}">
+                  <a14:hiddenLine xmlns:a14="http://schemas.microsoft.com/office/drawing/2010/main" w="9525">
                     <a:solidFill>
                       <a:srgbClr val="000000"/>
                     </a:solidFill>
@@ -10161,8 +10161,8 @@
                 <a:noFill/>
               </a:ln>
               <a:extLst>
-                <a:ext uri="{91240B29-F687-4f45-9708-019B960494DF}">
-                  <a14:hiddenLine xmlns:a14="http://schemas.microsoft.com/office/drawing/2010/main" xmlns="" w="9525">
+                <a:ext uri="{91240B29-F687-4F45-9708-019B960494DF}">
+                  <a14:hiddenLine xmlns:a14="http://schemas.microsoft.com/office/drawing/2010/main" w="9525">
                     <a:solidFill>
                       <a:srgbClr val="000000"/>
                     </a:solidFill>
@@ -10251,8 +10251,8 @@
                 <a:noFill/>
               </a:ln>
               <a:extLst>
-                <a:ext uri="{91240B29-F687-4f45-9708-019B960494DF}">
-                  <a14:hiddenLine xmlns:a14="http://schemas.microsoft.com/office/drawing/2010/main" xmlns="" w="9525">
+                <a:ext uri="{91240B29-F687-4F45-9708-019B960494DF}">
+                  <a14:hiddenLine xmlns:a14="http://schemas.microsoft.com/office/drawing/2010/main" w="9525">
                     <a:solidFill>
                       <a:srgbClr val="000000"/>
                     </a:solidFill>
@@ -10285,8 +10285,8 @@
                 <a:noFill/>
               </a:ln>
               <a:extLst>
-                <a:ext uri="{91240B29-F687-4f45-9708-019B960494DF}">
-                  <a14:hiddenLine xmlns:a14="http://schemas.microsoft.com/office/drawing/2010/main" xmlns="" w="9525">
+                <a:ext uri="{91240B29-F687-4F45-9708-019B960494DF}">
+                  <a14:hiddenLine xmlns:a14="http://schemas.microsoft.com/office/drawing/2010/main" w="9525">
                     <a:solidFill>
                       <a:srgbClr val="000000"/>
                     </a:solidFill>
@@ -10350,8 +10350,8 @@
                 <a:noFill/>
               </a:ln>
               <a:extLst>
-                <a:ext uri="{91240B29-F687-4f45-9708-019B960494DF}">
-                  <a14:hiddenLine xmlns:a14="http://schemas.microsoft.com/office/drawing/2010/main" xmlns="" w="9525">
+                <a:ext uri="{91240B29-F687-4F45-9708-019B960494DF}">
+                  <a14:hiddenLine xmlns:a14="http://schemas.microsoft.com/office/drawing/2010/main" w="9525">
                     <a:solidFill>
                       <a:srgbClr val="000000"/>
                     </a:solidFill>
@@ -10440,8 +10440,8 @@
                 <a:noFill/>
               </a:ln>
               <a:extLst>
-                <a:ext uri="{91240B29-F687-4f45-9708-019B960494DF}">
-                  <a14:hiddenLine xmlns:a14="http://schemas.microsoft.com/office/drawing/2010/main" xmlns="" w="9525">
+                <a:ext uri="{91240B29-F687-4F45-9708-019B960494DF}">
+                  <a14:hiddenLine xmlns:a14="http://schemas.microsoft.com/office/drawing/2010/main" w="9525">
                     <a:solidFill>
                       <a:srgbClr val="000000"/>
                     </a:solidFill>
@@ -10502,8 +10502,8 @@
                 <a:noFill/>
               </a:ln>
               <a:extLst>
-                <a:ext uri="{91240B29-F687-4f45-9708-019B960494DF}">
-                  <a14:hiddenLine xmlns:a14="http://schemas.microsoft.com/office/drawing/2010/main" xmlns="" w="9525">
+                <a:ext uri="{91240B29-F687-4F45-9708-019B960494DF}">
+                  <a14:hiddenLine xmlns:a14="http://schemas.microsoft.com/office/drawing/2010/main" w="9525">
                     <a:solidFill>
                       <a:srgbClr val="000000"/>
                     </a:solidFill>
@@ -10592,8 +10592,8 @@
                 <a:noFill/>
               </a:ln>
               <a:extLst>
-                <a:ext uri="{91240B29-F687-4f45-9708-019B960494DF}">
-                  <a14:hiddenLine xmlns:a14="http://schemas.microsoft.com/office/drawing/2010/main" xmlns="" w="9525">
+                <a:ext uri="{91240B29-F687-4F45-9708-019B960494DF}">
+                  <a14:hiddenLine xmlns:a14="http://schemas.microsoft.com/office/drawing/2010/main" w="9525">
                     <a:solidFill>
                       <a:srgbClr val="000000"/>
                     </a:solidFill>
@@ -10657,8 +10657,8 @@
                 <a:noFill/>
               </a:ln>
               <a:extLst>
-                <a:ext uri="{91240B29-F687-4f45-9708-019B960494DF}">
-                  <a14:hiddenLine xmlns:a14="http://schemas.microsoft.com/office/drawing/2010/main" xmlns="" w="9525">
+                <a:ext uri="{91240B29-F687-4F45-9708-019B960494DF}">
+                  <a14:hiddenLine xmlns:a14="http://schemas.microsoft.com/office/drawing/2010/main" w="9525">
                     <a:solidFill>
                       <a:srgbClr val="000000"/>
                     </a:solidFill>
@@ -10719,8 +10719,8 @@
                 <a:noFill/>
               </a:ln>
               <a:extLst>
-                <a:ext uri="{91240B29-F687-4f45-9708-019B960494DF}">
-                  <a14:hiddenLine xmlns:a14="http://schemas.microsoft.com/office/drawing/2010/main" xmlns="" w="9525">
+                <a:ext uri="{91240B29-F687-4F45-9708-019B960494DF}">
+                  <a14:hiddenLine xmlns:a14="http://schemas.microsoft.com/office/drawing/2010/main" w="9525">
                     <a:solidFill>
                       <a:srgbClr val="000000"/>
                     </a:solidFill>
@@ -10809,8 +10809,8 @@
                 <a:noFill/>
               </a:ln>
               <a:extLst>
-                <a:ext uri="{91240B29-F687-4f45-9708-019B960494DF}">
-                  <a14:hiddenLine xmlns:a14="http://schemas.microsoft.com/office/drawing/2010/main" xmlns="" w="9525">
+                <a:ext uri="{91240B29-F687-4F45-9708-019B960494DF}">
+                  <a14:hiddenLine xmlns:a14="http://schemas.microsoft.com/office/drawing/2010/main" w="9525">
                     <a:solidFill>
                       <a:srgbClr val="000000"/>
                     </a:solidFill>
@@ -10899,8 +10899,8 @@
                 <a:noFill/>
               </a:ln>
               <a:extLst>
-                <a:ext uri="{91240B29-F687-4f45-9708-019B960494DF}">
-                  <a14:hiddenLine xmlns:a14="http://schemas.microsoft.com/office/drawing/2010/main" xmlns="" w="9525">
+                <a:ext uri="{91240B29-F687-4F45-9708-019B960494DF}">
+                  <a14:hiddenLine xmlns:a14="http://schemas.microsoft.com/office/drawing/2010/main" w="9525">
                     <a:solidFill>
                       <a:srgbClr val="000000"/>
                     </a:solidFill>
@@ -10964,8 +10964,8 @@
                 <a:noFill/>
               </a:ln>
               <a:extLst>
-                <a:ext uri="{91240B29-F687-4f45-9708-019B960494DF}">
-                  <a14:hiddenLine xmlns:a14="http://schemas.microsoft.com/office/drawing/2010/main" xmlns="" w="9525">
+                <a:ext uri="{91240B29-F687-4F45-9708-019B960494DF}">
+                  <a14:hiddenLine xmlns:a14="http://schemas.microsoft.com/office/drawing/2010/main" w="9525">
                     <a:solidFill>
                       <a:srgbClr val="000000"/>
                     </a:solidFill>
@@ -11084,8 +11084,8 @@
                 <a:noFill/>
               </a:ln>
               <a:extLst>
-                <a:ext uri="{91240B29-F687-4f45-9708-019B960494DF}">
-                  <a14:hiddenLine xmlns:a14="http://schemas.microsoft.com/office/drawing/2010/main" xmlns="" w="9525">
+                <a:ext uri="{91240B29-F687-4F45-9708-019B960494DF}">
+                  <a14:hiddenLine xmlns:a14="http://schemas.microsoft.com/office/drawing/2010/main" w="9525">
                     <a:solidFill>
                       <a:srgbClr val="000000"/>
                     </a:solidFill>
@@ -11165,8 +11165,8 @@
                 <a:noFill/>
               </a:ln>
               <a:extLst>
-                <a:ext uri="{91240B29-F687-4f45-9708-019B960494DF}">
-                  <a14:hiddenLine xmlns:a14="http://schemas.microsoft.com/office/drawing/2010/main" xmlns="" w="9525">
+                <a:ext uri="{91240B29-F687-4F45-9708-019B960494DF}">
+                  <a14:hiddenLine xmlns:a14="http://schemas.microsoft.com/office/drawing/2010/main" w="9525">
                     <a:solidFill>
                       <a:srgbClr val="000000"/>
                     </a:solidFill>
@@ -11280,8 +11280,8 @@
                 <a:noFill/>
               </a:ln>
               <a:extLst>
-                <a:ext uri="{91240B29-F687-4f45-9708-019B960494DF}">
-                  <a14:hiddenLine xmlns:a14="http://schemas.microsoft.com/office/drawing/2010/main" xmlns="" w="9525">
+                <a:ext uri="{91240B29-F687-4F45-9708-019B960494DF}">
+                  <a14:hiddenLine xmlns:a14="http://schemas.microsoft.com/office/drawing/2010/main" w="9525">
                     <a:solidFill>
                       <a:srgbClr val="000000"/>
                     </a:solidFill>
@@ -11370,8 +11370,8 @@
                 <a:noFill/>
               </a:ln>
               <a:extLst>
-                <a:ext uri="{91240B29-F687-4f45-9708-019B960494DF}">
-                  <a14:hiddenLine xmlns:a14="http://schemas.microsoft.com/office/drawing/2010/main" xmlns="" w="9525">
+                <a:ext uri="{91240B29-F687-4F45-9708-019B960494DF}">
+                  <a14:hiddenLine xmlns:a14="http://schemas.microsoft.com/office/drawing/2010/main" w="9525">
                     <a:solidFill>
                       <a:srgbClr val="000000"/>
                     </a:solidFill>
@@ -11435,8 +11435,8 @@
                 <a:noFill/>
               </a:ln>
               <a:extLst>
-                <a:ext uri="{91240B29-F687-4f45-9708-019B960494DF}">
-                  <a14:hiddenLine xmlns:a14="http://schemas.microsoft.com/office/drawing/2010/main" xmlns="" w="9525">
+                <a:ext uri="{91240B29-F687-4F45-9708-019B960494DF}">
+                  <a14:hiddenLine xmlns:a14="http://schemas.microsoft.com/office/drawing/2010/main" w="9525">
                     <a:solidFill>
                       <a:srgbClr val="000000"/>
                     </a:solidFill>
@@ -11525,8 +11525,8 @@
                 <a:noFill/>
               </a:ln>
               <a:extLst>
-                <a:ext uri="{91240B29-F687-4f45-9708-019B960494DF}">
-                  <a14:hiddenLine xmlns:a14="http://schemas.microsoft.com/office/drawing/2010/main" xmlns="" w="9525">
+                <a:ext uri="{91240B29-F687-4F45-9708-019B960494DF}">
+                  <a14:hiddenLine xmlns:a14="http://schemas.microsoft.com/office/drawing/2010/main" w="9525">
                     <a:solidFill>
                       <a:srgbClr val="000000"/>
                     </a:solidFill>
@@ -11593,8 +11593,8 @@
                 <a:noFill/>
               </a:ln>
               <a:extLst>
-                <a:ext uri="{91240B29-F687-4f45-9708-019B960494DF}">
-                  <a14:hiddenLine xmlns:a14="http://schemas.microsoft.com/office/drawing/2010/main" xmlns="" w="9525">
+                <a:ext uri="{91240B29-F687-4F45-9708-019B960494DF}">
+                  <a14:hiddenLine xmlns:a14="http://schemas.microsoft.com/office/drawing/2010/main" w="9525">
                     <a:solidFill>
                       <a:srgbClr val="000000"/>
                     </a:solidFill>
@@ -11683,8 +11683,8 @@
                 <a:noFill/>
               </a:ln>
               <a:extLst>
-                <a:ext uri="{91240B29-F687-4f45-9708-019B960494DF}">
-                  <a14:hiddenLine xmlns:a14="http://schemas.microsoft.com/office/drawing/2010/main" xmlns="" w="9525">
+                <a:ext uri="{91240B29-F687-4F45-9708-019B960494DF}">
+                  <a14:hiddenLine xmlns:a14="http://schemas.microsoft.com/office/drawing/2010/main" w="9525">
                     <a:solidFill>
                       <a:srgbClr val="000000"/>
                     </a:solidFill>
@@ -11751,8 +11751,8 @@
                 <a:noFill/>
               </a:ln>
               <a:extLst>
-                <a:ext uri="{91240B29-F687-4f45-9708-019B960494DF}">
-                  <a14:hiddenLine xmlns:a14="http://schemas.microsoft.com/office/drawing/2010/main" xmlns="" w="9525">
+                <a:ext uri="{91240B29-F687-4F45-9708-019B960494DF}">
+                  <a14:hiddenLine xmlns:a14="http://schemas.microsoft.com/office/drawing/2010/main" w="9525">
                     <a:solidFill>
                       <a:srgbClr val="000000"/>
                     </a:solidFill>
@@ -11841,8 +11841,8 @@
                 <a:noFill/>
               </a:ln>
               <a:extLst>
-                <a:ext uri="{91240B29-F687-4f45-9708-019B960494DF}">
-                  <a14:hiddenLine xmlns:a14="http://schemas.microsoft.com/office/drawing/2010/main" xmlns="" w="9525">
+                <a:ext uri="{91240B29-F687-4F45-9708-019B960494DF}">
+                  <a14:hiddenLine xmlns:a14="http://schemas.microsoft.com/office/drawing/2010/main" w="9525">
                     <a:solidFill>
                       <a:srgbClr val="000000"/>
                     </a:solidFill>
@@ -11875,8 +11875,8 @@
                 <a:noFill/>
               </a:ln>
               <a:extLst>
-                <a:ext uri="{91240B29-F687-4f45-9708-019B960494DF}">
-                  <a14:hiddenLine xmlns:a14="http://schemas.microsoft.com/office/drawing/2010/main" xmlns="" w="9525">
+                <a:ext uri="{91240B29-F687-4F45-9708-019B960494DF}">
+                  <a14:hiddenLine xmlns:a14="http://schemas.microsoft.com/office/drawing/2010/main" w="9525">
                     <a:solidFill>
                       <a:srgbClr val="000000"/>
                     </a:solidFill>
@@ -12016,7 +12016,7 @@
           <a:p>
             <a:fld id="{7C875C54-FAC8-4591-8C29-E480AB966F94}" type="datetimeFigureOut">
               <a:rPr lang="en-IN" smtClean="0"/>
-              <a:t>05-10-2024</a:t>
+              <a:t>13-10-2024</a:t>
             </a:fld>
             <a:endParaRPr lang="en-IN"/>
           </a:p>
@@ -12441,7 +12441,7 @@
           <p:cNvPr id="2" name="Title 1">
             <a:extLst>
               <a:ext uri="{FF2B5EF4-FFF2-40B4-BE49-F238E27FC236}">
-                <a16:creationId xmlns:a16="http://schemas.microsoft.com/office/drawing/2014/main" id="{A38E1CCF-48DD-850E-A124-839DA5DA27FA}"/>
+                <a16:creationId xmlns:a16="http://schemas.microsoft.com/office/drawing/2014/main" xmlns="" id="{A38E1CCF-48DD-850E-A124-839DA5DA27FA}"/>
               </a:ext>
             </a:extLst>
           </p:cNvPr>
@@ -12476,7 +12476,7 @@
           <p:cNvPr id="3" name="Subtitle 2">
             <a:extLst>
               <a:ext uri="{FF2B5EF4-FFF2-40B4-BE49-F238E27FC236}">
-                <a16:creationId xmlns:a16="http://schemas.microsoft.com/office/drawing/2014/main" id="{5CB179BC-DBF7-8724-10DC-A30F9B301452}"/>
+                <a16:creationId xmlns:a16="http://schemas.microsoft.com/office/drawing/2014/main" xmlns="" id="{5CB179BC-DBF7-8724-10DC-A30F9B301452}"/>
               </a:ext>
             </a:extLst>
           </p:cNvPr>
@@ -12551,7 +12551,7 @@
           <p:cNvPr id="2" name="TextBox 1">
             <a:extLst>
               <a:ext uri="{FF2B5EF4-FFF2-40B4-BE49-F238E27FC236}">
-                <a16:creationId xmlns:a16="http://schemas.microsoft.com/office/drawing/2014/main" id="{3E3AD0D0-2BA0-2A6C-45AE-45C6D02E7597}"/>
+                <a16:creationId xmlns:a16="http://schemas.microsoft.com/office/drawing/2014/main" xmlns="" id="{3E3AD0D0-2BA0-2A6C-45AE-45C6D02E7597}"/>
               </a:ext>
             </a:extLst>
           </p:cNvPr>
@@ -12622,7 +12622,7 @@
           <p:cNvPr id="2" name="Title 1">
             <a:extLst>
               <a:ext uri="{FF2B5EF4-FFF2-40B4-BE49-F238E27FC236}">
-                <a16:creationId xmlns:a16="http://schemas.microsoft.com/office/drawing/2014/main" id="{B79CCF60-B0F4-806D-23DD-C92A76E5911F}"/>
+                <a16:creationId xmlns:a16="http://schemas.microsoft.com/office/drawing/2014/main" xmlns="" id="{B79CCF60-B0F4-806D-23DD-C92A76E5911F}"/>
               </a:ext>
             </a:extLst>
           </p:cNvPr>
@@ -12650,7 +12650,7 @@
           <p:cNvPr id="3" name="Content Placeholder 2">
             <a:extLst>
               <a:ext uri="{FF2B5EF4-FFF2-40B4-BE49-F238E27FC236}">
-                <a16:creationId xmlns:a16="http://schemas.microsoft.com/office/drawing/2014/main" id="{2F900076-EA73-6E48-9389-A9B582C908F7}"/>
+                <a16:creationId xmlns:a16="http://schemas.microsoft.com/office/drawing/2014/main" xmlns="" id="{2F900076-EA73-6E48-9389-A9B582C908F7}"/>
               </a:ext>
             </a:extLst>
           </p:cNvPr>
@@ -12753,7 +12753,7 @@
           <p:cNvPr id="2" name="Title 1">
             <a:extLst>
               <a:ext uri="{FF2B5EF4-FFF2-40B4-BE49-F238E27FC236}">
-                <a16:creationId xmlns:a16="http://schemas.microsoft.com/office/drawing/2014/main" id="{7F4A65FA-5942-44F3-9B07-D8C24C20A82E}"/>
+                <a16:creationId xmlns:a16="http://schemas.microsoft.com/office/drawing/2014/main" xmlns="" id="{7F4A65FA-5942-44F3-9B07-D8C24C20A82E}"/>
               </a:ext>
             </a:extLst>
           </p:cNvPr>
@@ -12781,7 +12781,7 @@
           <p:cNvPr id="3" name="Content Placeholder 2">
             <a:extLst>
               <a:ext uri="{FF2B5EF4-FFF2-40B4-BE49-F238E27FC236}">
-                <a16:creationId xmlns:a16="http://schemas.microsoft.com/office/drawing/2014/main" id="{0E44DFF8-81F1-20FE-1D87-1EA3AD320764}"/>
+                <a16:creationId xmlns:a16="http://schemas.microsoft.com/office/drawing/2014/main" xmlns="" id="{0E44DFF8-81F1-20FE-1D87-1EA3AD320764}"/>
               </a:ext>
             </a:extLst>
           </p:cNvPr>
@@ -12906,7 +12906,7 @@
           <p:cNvPr id="2" name="Title 1">
             <a:extLst>
               <a:ext uri="{FF2B5EF4-FFF2-40B4-BE49-F238E27FC236}">
-                <a16:creationId xmlns:a16="http://schemas.microsoft.com/office/drawing/2014/main" id="{9BBEF043-CBBB-E436-F4FF-AEB9707EEAD6}"/>
+                <a16:creationId xmlns:a16="http://schemas.microsoft.com/office/drawing/2014/main" xmlns="" id="{9BBEF043-CBBB-E436-F4FF-AEB9707EEAD6}"/>
               </a:ext>
             </a:extLst>
           </p:cNvPr>
@@ -12939,7 +12939,7 @@
           <p:cNvPr id="5" name="Rectangle 2">
             <a:extLst>
               <a:ext uri="{FF2B5EF4-FFF2-40B4-BE49-F238E27FC236}">
-                <a16:creationId xmlns:a16="http://schemas.microsoft.com/office/drawing/2014/main" id="{0FB166BA-2288-2CFD-D7B8-64B4EF6A7D3E}"/>
+                <a16:creationId xmlns:a16="http://schemas.microsoft.com/office/drawing/2014/main" xmlns="" id="{0FB166BA-2288-2CFD-D7B8-64B4EF6A7D3E}"/>
               </a:ext>
             </a:extLst>
           </p:cNvPr>
@@ -13657,7 +13657,7 @@
           <p:cNvPr id="2" name="Title 1">
             <a:extLst>
               <a:ext uri="{FF2B5EF4-FFF2-40B4-BE49-F238E27FC236}">
-                <a16:creationId xmlns:a16="http://schemas.microsoft.com/office/drawing/2014/main" id="{DDC161DE-33BA-C6B1-910C-B25D4ECEDA42}"/>
+                <a16:creationId xmlns:a16="http://schemas.microsoft.com/office/drawing/2014/main" xmlns="" id="{DDC161DE-33BA-C6B1-910C-B25D4ECEDA42}"/>
               </a:ext>
             </a:extLst>
           </p:cNvPr>
@@ -13685,7 +13685,7 @@
           <p:cNvPr id="4" name="Rectangle 1">
             <a:extLst>
               <a:ext uri="{FF2B5EF4-FFF2-40B4-BE49-F238E27FC236}">
-                <a16:creationId xmlns:a16="http://schemas.microsoft.com/office/drawing/2014/main" id="{4FE69FBA-04E1-BE4E-DD32-9ED2D808B741}"/>
+                <a16:creationId xmlns:a16="http://schemas.microsoft.com/office/drawing/2014/main" xmlns="" id="{4FE69FBA-04E1-BE4E-DD32-9ED2D808B741}"/>
               </a:ext>
             </a:extLst>
           </p:cNvPr>
@@ -14063,7 +14063,7 @@
           <p:cNvPr id="2" name="Title 1">
             <a:extLst>
               <a:ext uri="{FF2B5EF4-FFF2-40B4-BE49-F238E27FC236}">
-                <a16:creationId xmlns:a16="http://schemas.microsoft.com/office/drawing/2014/main" id="{920CCD2C-2FB3-7A55-C375-B0F8729B4B4C}"/>
+                <a16:creationId xmlns:a16="http://schemas.microsoft.com/office/drawing/2014/main" xmlns="" id="{920CCD2C-2FB3-7A55-C375-B0F8729B4B4C}"/>
               </a:ext>
             </a:extLst>
           </p:cNvPr>
@@ -14074,11 +14074,17 @@
             <p:ph type="title"/>
           </p:nvPr>
         </p:nvSpPr>
-        <p:spPr/>
+        <p:spPr>
+          <a:xfrm>
+            <a:off x="1260683" y="0"/>
+            <a:ext cx="9905998" cy="904461"/>
+          </a:xfrm>
+        </p:spPr>
         <p:txBody>
           <a:bodyPr/>
           <a:lstStyle/>
           <a:p>
+            <a:pPr algn="ctr"/>
             <a:r>
               <a:rPr lang="en-IN" dirty="0"/>
               <a:t>Power BI report Overview</a:t>
@@ -14091,7 +14097,7 @@
           <p:cNvPr id="7" name="Content Placeholder 6">
             <a:extLst>
               <a:ext uri="{FF2B5EF4-FFF2-40B4-BE49-F238E27FC236}">
-                <a16:creationId xmlns:a16="http://schemas.microsoft.com/office/drawing/2014/main" id="{0F00921D-ED9F-5148-CC35-E0C0C4265616}"/>
+                <a16:creationId xmlns:a16="http://schemas.microsoft.com/office/drawing/2014/main" xmlns="" id="{0F00921D-ED9F-5148-CC35-E0C0C4265616}"/>
               </a:ext>
             </a:extLst>
           </p:cNvPr>
@@ -14113,32 +14119,66 @@
       </p:sp>
       <p:pic>
         <p:nvPicPr>
-          <p:cNvPr id="9" name="Picture 8">
-            <a:extLst>
-              <a:ext uri="{FF2B5EF4-FFF2-40B4-BE49-F238E27FC236}">
-                <a16:creationId xmlns:a16="http://schemas.microsoft.com/office/drawing/2014/main" id="{006881A6-093B-13E0-91C5-5715398EF612}"/>
-              </a:ext>
-            </a:extLst>
-          </p:cNvPr>
+          <p:cNvPr id="1026" name="Picture 2"/>
           <p:cNvPicPr>
-            <a:picLocks noChangeAspect="1"/>
+            <a:picLocks noChangeAspect="1" noChangeArrowheads="1"/>
           </p:cNvPicPr>
           <p:nvPr/>
         </p:nvPicPr>
         <p:blipFill>
-          <a:blip r:embed="rId2"/>
+          <a:blip r:embed="rId2">
+            <a:extLst>
+              <a:ext uri="{28A0092B-C50C-407E-A947-70E740481C1C}">
+                <a14:useLocalDpi xmlns:a14="http://schemas.microsoft.com/office/drawing/2010/main" val="0"/>
+              </a:ext>
+            </a:extLst>
+          </a:blip>
+          <a:srcRect/>
           <a:stretch>
             <a:fillRect/>
           </a:stretch>
         </p:blipFill>
-        <p:spPr>
+        <p:spPr bwMode="auto">
           <a:xfrm>
-            <a:off x="348343" y="1676400"/>
-            <a:ext cx="11462657" cy="5105400"/>
+            <a:off x="178904" y="715617"/>
+            <a:ext cx="11936895" cy="6013174"/>
           </a:xfrm>
           <a:prstGeom prst="rect">
             <a:avLst/>
           </a:prstGeom>
+          <a:noFill/>
+          <a:ln>
+            <a:noFill/>
+          </a:ln>
+          <a:effectLst/>
+          <a:extLst>
+            <a:ext uri="{909E8E84-426E-40DD-AFC4-6F175D3DCCD1}">
+              <a14:hiddenFill xmlns:a14="http://schemas.microsoft.com/office/drawing/2010/main">
+                <a:solidFill>
+                  <a:schemeClr val="accent1"/>
+                </a:solidFill>
+              </a14:hiddenFill>
+            </a:ext>
+            <a:ext uri="{91240B29-F687-4F45-9708-019B960494DF}">
+              <a14:hiddenLine xmlns:a14="http://schemas.microsoft.com/office/drawing/2010/main" w="9525">
+                <a:solidFill>
+                  <a:schemeClr val="tx1"/>
+                </a:solidFill>
+                <a:miter lim="800000"/>
+                <a:headEnd/>
+                <a:tailEnd/>
+              </a14:hiddenLine>
+            </a:ext>
+            <a:ext uri="{AF507438-7753-43E0-B8FC-AC1667EBCBE1}">
+              <a14:hiddenEffects xmlns:a14="http://schemas.microsoft.com/office/drawing/2010/main">
+                <a:effectLst>
+                  <a:outerShdw dist="35921" dir="2700000" algn="ctr" rotWithShape="0">
+                    <a:schemeClr val="bg2"/>
+                  </a:outerShdw>
+                </a:effectLst>
+              </a14:hiddenEffects>
+            </a:ext>
+          </a:extLst>
         </p:spPr>
       </p:pic>
     </p:spTree>
@@ -14176,7 +14216,7 @@
           <p:cNvPr id="2" name="Title 1">
             <a:extLst>
               <a:ext uri="{FF2B5EF4-FFF2-40B4-BE49-F238E27FC236}">
-                <a16:creationId xmlns:a16="http://schemas.microsoft.com/office/drawing/2014/main" id="{126B1099-B6FA-20D8-CB95-0BA3A01FFF7C}"/>
+                <a16:creationId xmlns:a16="http://schemas.microsoft.com/office/drawing/2014/main" xmlns="" id="{126B1099-B6FA-20D8-CB95-0BA3A01FFF7C}"/>
               </a:ext>
             </a:extLst>
           </p:cNvPr>
@@ -14205,7 +14245,7 @@
           <p:cNvPr id="3" name="Content Placeholder 2">
             <a:extLst>
               <a:ext uri="{FF2B5EF4-FFF2-40B4-BE49-F238E27FC236}">
-                <a16:creationId xmlns:a16="http://schemas.microsoft.com/office/drawing/2014/main" id="{37DCFF72-BCFB-B1C1-D6FF-4195C563EC25}"/>
+                <a16:creationId xmlns:a16="http://schemas.microsoft.com/office/drawing/2014/main" xmlns="" id="{37DCFF72-BCFB-B1C1-D6FF-4195C563EC25}"/>
               </a:ext>
             </a:extLst>
           </p:cNvPr>
@@ -14292,7 +14332,7 @@
           <p:cNvPr id="2" name="Title 1">
             <a:extLst>
               <a:ext uri="{FF2B5EF4-FFF2-40B4-BE49-F238E27FC236}">
-                <a16:creationId xmlns:a16="http://schemas.microsoft.com/office/drawing/2014/main" id="{6EC2A9E6-EE2C-5203-E829-FD522E89919E}"/>
+                <a16:creationId xmlns:a16="http://schemas.microsoft.com/office/drawing/2014/main" xmlns="" id="{6EC2A9E6-EE2C-5203-E829-FD522E89919E}"/>
               </a:ext>
             </a:extLst>
           </p:cNvPr>
@@ -14320,7 +14360,7 @@
           <p:cNvPr id="3" name="Content Placeholder 2">
             <a:extLst>
               <a:ext uri="{FF2B5EF4-FFF2-40B4-BE49-F238E27FC236}">
-                <a16:creationId xmlns:a16="http://schemas.microsoft.com/office/drawing/2014/main" id="{710DDCB6-1BA5-F008-FA92-7E208AFA4604}"/>
+                <a16:creationId xmlns:a16="http://schemas.microsoft.com/office/drawing/2014/main" xmlns="" id="{710DDCB6-1BA5-F008-FA92-7E208AFA4604}"/>
               </a:ext>
             </a:extLst>
           </p:cNvPr>
@@ -14410,7 +14450,7 @@
           <p:cNvPr id="2" name="Title 1">
             <a:extLst>
               <a:ext uri="{FF2B5EF4-FFF2-40B4-BE49-F238E27FC236}">
-                <a16:creationId xmlns:a16="http://schemas.microsoft.com/office/drawing/2014/main" id="{03874832-11D2-B385-C550-79DE5437953F}"/>
+                <a16:creationId xmlns:a16="http://schemas.microsoft.com/office/drawing/2014/main" xmlns="" id="{03874832-11D2-B385-C550-79DE5437953F}"/>
               </a:ext>
             </a:extLst>
           </p:cNvPr>
@@ -14438,7 +14478,7 @@
           <p:cNvPr id="4" name="Rectangle 1">
             <a:extLst>
               <a:ext uri="{FF2B5EF4-FFF2-40B4-BE49-F238E27FC236}">
-                <a16:creationId xmlns:a16="http://schemas.microsoft.com/office/drawing/2014/main" id="{9C6DD9E3-95D4-B425-7B9D-81F5CC9A8339}"/>
+                <a16:creationId xmlns:a16="http://schemas.microsoft.com/office/drawing/2014/main" xmlns="" id="{9C6DD9E3-95D4-B425-7B9D-81F5CC9A8339}"/>
               </a:ext>
             </a:extLst>
           </p:cNvPr>
@@ -14896,7 +14936,7 @@
     </a:clrScheme>
     <a:fontScheme name="Circuit">
       <a:majorFont>
-        <a:latin typeface="Tw Cen MT" panose="020B0602020104020603"/>
+        <a:latin typeface="Tw Cen MT"/>
         <a:ea typeface=""/>
         <a:cs typeface=""/>
         <a:font script="Jpan" typeface="ＭＳ Ｐゴシック"/>
@@ -14931,7 +14971,7 @@
         <a:font script="Geor" typeface="Sylfaen"/>
       </a:majorFont>
       <a:minorFont>
-        <a:latin typeface="Tw Cen MT" panose="020B0602020104020603"/>
+        <a:latin typeface="Tw Cen MT"/>
         <a:ea typeface=""/>
         <a:cs typeface=""/>
         <a:font script="Jpan" typeface="ＭＳ Ｐゴシック"/>
@@ -15098,7 +15138,7 @@
   <a:extraClrSchemeLst/>
   <a:extLst>
     <a:ext uri="{05A4C25C-085E-4340-85A3-A5531E510DB2}">
-      <thm15:themeFamily xmlns:thm15="http://schemas.microsoft.com/office/thememl/2012/main" name="Circuit" id="{0AC2F7E7-15F5-431C-B2A2-456FE929F56C}" vid="{142578CA-DEC9-49C3-80AF-C113973CC9A9}"/>
+      <thm15:themeFamily xmlns:thm15="http://schemas.microsoft.com/office/thememl/2012/main" xmlns="" name="Circuit" id="{0AC2F7E7-15F5-431C-B2A2-456FE929F56C}" vid="{142578CA-DEC9-49C3-80AF-C113973CC9A9}"/>
     </a:ext>
   </a:extLst>
 </a:theme>
